--- a/PPT/PPT.pptx
+++ b/PPT/PPT.pptx
@@ -844,7 +844,7 @@
           <a:p>
             <a:fld id="{C2310872-1D3E-FB40-B266-09E06B490A9B}" type="datetimeFigureOut">
               <a:rPr lang="en-US" smtClean="0"/>
-              <a:t>7/24/17</a:t>
+              <a:t>7/26/2017</a:t>
             </a:fld>
             <a:endParaRPr lang="en-US"/>
           </a:p>
@@ -1090,7 +1090,7 @@
           <a:p>
             <a:fld id="{C2310872-1D3E-FB40-B266-09E06B490A9B}" type="datetimeFigureOut">
               <a:rPr lang="en-US" smtClean="0"/>
-              <a:t>7/24/17</a:t>
+              <a:t>7/26/2017</a:t>
             </a:fld>
             <a:endParaRPr lang="en-US"/>
           </a:p>
@@ -1399,7 +1399,7 @@
           <a:p>
             <a:fld id="{C2310872-1D3E-FB40-B266-09E06B490A9B}" type="datetimeFigureOut">
               <a:rPr lang="en-US" smtClean="0"/>
-              <a:t>7/24/17</a:t>
+              <a:t>7/26/2017</a:t>
             </a:fld>
             <a:endParaRPr lang="en-US"/>
           </a:p>
@@ -1735,7 +1735,7 @@
           <a:p>
             <a:fld id="{C2310872-1D3E-FB40-B266-09E06B490A9B}" type="datetimeFigureOut">
               <a:rPr lang="en-US" smtClean="0"/>
-              <a:t>7/24/17</a:t>
+              <a:t>7/26/2017</a:t>
             </a:fld>
             <a:endParaRPr lang="en-US"/>
           </a:p>
@@ -2044,7 +2044,7 @@
           <a:p>
             <a:fld id="{C2310872-1D3E-FB40-B266-09E06B490A9B}" type="datetimeFigureOut">
               <a:rPr lang="en-US" smtClean="0"/>
-              <a:t>7/24/17</a:t>
+              <a:t>7/26/2017</a:t>
             </a:fld>
             <a:endParaRPr lang="en-US"/>
           </a:p>
@@ -2432,7 +2432,7 @@
           <a:p>
             <a:fld id="{C2310872-1D3E-FB40-B266-09E06B490A9B}" type="datetimeFigureOut">
               <a:rPr lang="en-US" smtClean="0"/>
-              <a:t>7/24/17</a:t>
+              <a:t>7/26/2017</a:t>
             </a:fld>
             <a:endParaRPr lang="en-US"/>
           </a:p>
@@ -2597,7 +2597,7 @@
           <a:p>
             <a:fld id="{C2310872-1D3E-FB40-B266-09E06B490A9B}" type="datetimeFigureOut">
               <a:rPr lang="en-US" smtClean="0"/>
-              <a:t>7/24/17</a:t>
+              <a:t>7/26/2017</a:t>
             </a:fld>
             <a:endParaRPr lang="en-US"/>
           </a:p>
@@ -2772,7 +2772,7 @@
           <a:p>
             <a:fld id="{C2310872-1D3E-FB40-B266-09E06B490A9B}" type="datetimeFigureOut">
               <a:rPr lang="en-US" smtClean="0"/>
-              <a:t>7/24/17</a:t>
+              <a:t>7/26/2017</a:t>
             </a:fld>
             <a:endParaRPr lang="en-US"/>
           </a:p>
@@ -2943,7 +2943,7 @@
           <a:p>
             <a:fld id="{C2310872-1D3E-FB40-B266-09E06B490A9B}" type="datetimeFigureOut">
               <a:rPr lang="en-US" smtClean="0"/>
-              <a:t>7/24/17</a:t>
+              <a:t>7/26/2017</a:t>
             </a:fld>
             <a:endParaRPr lang="en-US"/>
           </a:p>
@@ -3185,7 +3185,7 @@
           <a:p>
             <a:fld id="{C2310872-1D3E-FB40-B266-09E06B490A9B}" type="datetimeFigureOut">
               <a:rPr lang="en-US" smtClean="0"/>
-              <a:t>7/24/17</a:t>
+              <a:t>7/26/2017</a:t>
             </a:fld>
             <a:endParaRPr lang="en-US"/>
           </a:p>
@@ -3412,7 +3412,7 @@
           <a:p>
             <a:fld id="{C2310872-1D3E-FB40-B266-09E06B490A9B}" type="datetimeFigureOut">
               <a:rPr lang="en-US" smtClean="0"/>
-              <a:t>7/24/17</a:t>
+              <a:t>7/26/2017</a:t>
             </a:fld>
             <a:endParaRPr lang="en-US"/>
           </a:p>
@@ -3781,7 +3781,7 @@
           <a:p>
             <a:fld id="{C2310872-1D3E-FB40-B266-09E06B490A9B}" type="datetimeFigureOut">
               <a:rPr lang="en-US" smtClean="0"/>
-              <a:t>7/24/17</a:t>
+              <a:t>7/26/2017</a:t>
             </a:fld>
             <a:endParaRPr lang="en-US"/>
           </a:p>
@@ -3899,7 +3899,7 @@
           <a:p>
             <a:fld id="{C2310872-1D3E-FB40-B266-09E06B490A9B}" type="datetimeFigureOut">
               <a:rPr lang="en-US" smtClean="0"/>
-              <a:t>7/24/17</a:t>
+              <a:t>7/26/2017</a:t>
             </a:fld>
             <a:endParaRPr lang="en-US"/>
           </a:p>
@@ -3989,7 +3989,7 @@
           <a:p>
             <a:fld id="{C2310872-1D3E-FB40-B266-09E06B490A9B}" type="datetimeFigureOut">
               <a:rPr lang="en-US" smtClean="0"/>
-              <a:t>7/24/17</a:t>
+              <a:t>7/26/2017</a:t>
             </a:fld>
             <a:endParaRPr lang="en-US"/>
           </a:p>
@@ -4239,7 +4239,7 @@
           <a:p>
             <a:fld id="{C2310872-1D3E-FB40-B266-09E06B490A9B}" type="datetimeFigureOut">
               <a:rPr lang="en-US" smtClean="0"/>
-              <a:t>7/24/17</a:t>
+              <a:t>7/26/2017</a:t>
             </a:fld>
             <a:endParaRPr lang="en-US"/>
           </a:p>
@@ -4497,7 +4497,7 @@
           <a:p>
             <a:fld id="{C2310872-1D3E-FB40-B266-09E06B490A9B}" type="datetimeFigureOut">
               <a:rPr lang="en-US" smtClean="0"/>
-              <a:t>7/24/17</a:t>
+              <a:t>7/26/2017</a:t>
             </a:fld>
             <a:endParaRPr lang="en-US"/>
           </a:p>
@@ -5235,7 +5235,7 @@
           <a:p>
             <a:fld id="{C2310872-1D3E-FB40-B266-09E06B490A9B}" type="datetimeFigureOut">
               <a:rPr lang="en-US" smtClean="0"/>
-              <a:t>7/24/17</a:t>
+              <a:t>7/26/2017</a:t>
             </a:fld>
             <a:endParaRPr lang="en-US"/>
           </a:p>
@@ -6110,32 +6110,6 @@
           </a:p>
         </p:txBody>
       </p:sp>
-      <p:pic>
-        <p:nvPicPr>
-          <p:cNvPr id="4" name="Picture 3"/>
-          <p:cNvPicPr>
-            <a:picLocks noChangeAspect="1"/>
-          </p:cNvPicPr>
-          <p:nvPr/>
-        </p:nvPicPr>
-        <p:blipFill rotWithShape="1">
-          <a:blip r:embed="rId2">
-            <a:alphaModFix amt="35000"/>
-            <a:extLst/>
-          </a:blip>
-          <a:srcRect t="473" b="14622"/>
-          <a:stretch/>
-        </p:blipFill>
-        <p:spPr>
-          <a:xfrm>
-            <a:off x="20" y="10"/>
-            <a:ext cx="12191980" cy="6857990"/>
-          </a:xfrm>
-          <a:prstGeom prst="rect">
-            <a:avLst/>
-          </a:prstGeom>
-        </p:spPr>
-      </p:pic>
     </p:spTree>
     <p:extLst>
       <p:ext uri="{BB962C8B-B14F-4D97-AF65-F5344CB8AC3E}">
@@ -6727,32 +6701,6 @@
           </a:p>
         </p:txBody>
       </p:sp>
-      <p:pic>
-        <p:nvPicPr>
-          <p:cNvPr id="4" name="Content Placeholder 5"/>
-          <p:cNvPicPr>
-            <a:picLocks noChangeAspect="1"/>
-          </p:cNvPicPr>
-          <p:nvPr/>
-        </p:nvPicPr>
-        <p:blipFill rotWithShape="1">
-          <a:blip r:embed="rId2">
-            <a:alphaModFix amt="35000"/>
-            <a:extLst/>
-          </a:blip>
-          <a:srcRect b="14122"/>
-          <a:stretch/>
-        </p:blipFill>
-        <p:spPr>
-          <a:xfrm>
-            <a:off x="20" y="1"/>
-            <a:ext cx="12191980" cy="6857999"/>
-          </a:xfrm>
-          <a:prstGeom prst="rect">
-            <a:avLst/>
-          </a:prstGeom>
-        </p:spPr>
-      </p:pic>
     </p:spTree>
     <p:extLst>
       <p:ext uri="{BB962C8B-B14F-4D97-AF65-F5344CB8AC3E}">

--- a/PPT/PPT.pptx
+++ b/PPT/PPT.pptx
@@ -844,7 +844,7 @@
           <a:p>
             <a:fld id="{C2310872-1D3E-FB40-B266-09E06B490A9B}" type="datetimeFigureOut">
               <a:rPr lang="en-US" smtClean="0"/>
-              <a:t>7/26/2017</a:t>
+              <a:t>7/27/2017</a:t>
             </a:fld>
             <a:endParaRPr lang="en-US"/>
           </a:p>
@@ -1090,7 +1090,7 @@
           <a:p>
             <a:fld id="{C2310872-1D3E-FB40-B266-09E06B490A9B}" type="datetimeFigureOut">
               <a:rPr lang="en-US" smtClean="0"/>
-              <a:t>7/26/2017</a:t>
+              <a:t>7/27/2017</a:t>
             </a:fld>
             <a:endParaRPr lang="en-US"/>
           </a:p>
@@ -1399,7 +1399,7 @@
           <a:p>
             <a:fld id="{C2310872-1D3E-FB40-B266-09E06B490A9B}" type="datetimeFigureOut">
               <a:rPr lang="en-US" smtClean="0"/>
-              <a:t>7/26/2017</a:t>
+              <a:t>7/27/2017</a:t>
             </a:fld>
             <a:endParaRPr lang="en-US"/>
           </a:p>
@@ -1735,7 +1735,7 @@
           <a:p>
             <a:fld id="{C2310872-1D3E-FB40-B266-09E06B490A9B}" type="datetimeFigureOut">
               <a:rPr lang="en-US" smtClean="0"/>
-              <a:t>7/26/2017</a:t>
+              <a:t>7/27/2017</a:t>
             </a:fld>
             <a:endParaRPr lang="en-US"/>
           </a:p>
@@ -2044,7 +2044,7 @@
           <a:p>
             <a:fld id="{C2310872-1D3E-FB40-B266-09E06B490A9B}" type="datetimeFigureOut">
               <a:rPr lang="en-US" smtClean="0"/>
-              <a:t>7/26/2017</a:t>
+              <a:t>7/27/2017</a:t>
             </a:fld>
             <a:endParaRPr lang="en-US"/>
           </a:p>
@@ -2432,7 +2432,7 @@
           <a:p>
             <a:fld id="{C2310872-1D3E-FB40-B266-09E06B490A9B}" type="datetimeFigureOut">
               <a:rPr lang="en-US" smtClean="0"/>
-              <a:t>7/26/2017</a:t>
+              <a:t>7/27/2017</a:t>
             </a:fld>
             <a:endParaRPr lang="en-US"/>
           </a:p>
@@ -2597,7 +2597,7 @@
           <a:p>
             <a:fld id="{C2310872-1D3E-FB40-B266-09E06B490A9B}" type="datetimeFigureOut">
               <a:rPr lang="en-US" smtClean="0"/>
-              <a:t>7/26/2017</a:t>
+              <a:t>7/27/2017</a:t>
             </a:fld>
             <a:endParaRPr lang="en-US"/>
           </a:p>
@@ -2772,7 +2772,7 @@
           <a:p>
             <a:fld id="{C2310872-1D3E-FB40-B266-09E06B490A9B}" type="datetimeFigureOut">
               <a:rPr lang="en-US" smtClean="0"/>
-              <a:t>7/26/2017</a:t>
+              <a:t>7/27/2017</a:t>
             </a:fld>
             <a:endParaRPr lang="en-US"/>
           </a:p>
@@ -2943,7 +2943,7 @@
           <a:p>
             <a:fld id="{C2310872-1D3E-FB40-B266-09E06B490A9B}" type="datetimeFigureOut">
               <a:rPr lang="en-US" smtClean="0"/>
-              <a:t>7/26/2017</a:t>
+              <a:t>7/27/2017</a:t>
             </a:fld>
             <a:endParaRPr lang="en-US"/>
           </a:p>
@@ -3185,7 +3185,7 @@
           <a:p>
             <a:fld id="{C2310872-1D3E-FB40-B266-09E06B490A9B}" type="datetimeFigureOut">
               <a:rPr lang="en-US" smtClean="0"/>
-              <a:t>7/26/2017</a:t>
+              <a:t>7/27/2017</a:t>
             </a:fld>
             <a:endParaRPr lang="en-US"/>
           </a:p>
@@ -3412,7 +3412,7 @@
           <a:p>
             <a:fld id="{C2310872-1D3E-FB40-B266-09E06B490A9B}" type="datetimeFigureOut">
               <a:rPr lang="en-US" smtClean="0"/>
-              <a:t>7/26/2017</a:t>
+              <a:t>7/27/2017</a:t>
             </a:fld>
             <a:endParaRPr lang="en-US"/>
           </a:p>
@@ -3781,7 +3781,7 @@
           <a:p>
             <a:fld id="{C2310872-1D3E-FB40-B266-09E06B490A9B}" type="datetimeFigureOut">
               <a:rPr lang="en-US" smtClean="0"/>
-              <a:t>7/26/2017</a:t>
+              <a:t>7/27/2017</a:t>
             </a:fld>
             <a:endParaRPr lang="en-US"/>
           </a:p>
@@ -3899,7 +3899,7 @@
           <a:p>
             <a:fld id="{C2310872-1D3E-FB40-B266-09E06B490A9B}" type="datetimeFigureOut">
               <a:rPr lang="en-US" smtClean="0"/>
-              <a:t>7/26/2017</a:t>
+              <a:t>7/27/2017</a:t>
             </a:fld>
             <a:endParaRPr lang="en-US"/>
           </a:p>
@@ -3989,7 +3989,7 @@
           <a:p>
             <a:fld id="{C2310872-1D3E-FB40-B266-09E06B490A9B}" type="datetimeFigureOut">
               <a:rPr lang="en-US" smtClean="0"/>
-              <a:t>7/26/2017</a:t>
+              <a:t>7/27/2017</a:t>
             </a:fld>
             <a:endParaRPr lang="en-US"/>
           </a:p>
@@ -4239,7 +4239,7 @@
           <a:p>
             <a:fld id="{C2310872-1D3E-FB40-B266-09E06B490A9B}" type="datetimeFigureOut">
               <a:rPr lang="en-US" smtClean="0"/>
-              <a:t>7/26/2017</a:t>
+              <a:t>7/27/2017</a:t>
             </a:fld>
             <a:endParaRPr lang="en-US"/>
           </a:p>
@@ -4497,7 +4497,7 @@
           <a:p>
             <a:fld id="{C2310872-1D3E-FB40-B266-09E06B490A9B}" type="datetimeFigureOut">
               <a:rPr lang="en-US" smtClean="0"/>
-              <a:t>7/26/2017</a:t>
+              <a:t>7/27/2017</a:t>
             </a:fld>
             <a:endParaRPr lang="en-US"/>
           </a:p>
@@ -5235,7 +5235,7 @@
           <a:p>
             <a:fld id="{C2310872-1D3E-FB40-B266-09E06B490A9B}" type="datetimeFigureOut">
               <a:rPr lang="en-US" smtClean="0"/>
-              <a:t>7/26/2017</a:t>
+              <a:t>7/27/2017</a:t>
             </a:fld>
             <a:endParaRPr lang="en-US"/>
           </a:p>
@@ -5788,8 +5788,16 @@
               <a:rPr lang="en-US" dirty="0" smtClean="0"/>
             </a:br>
             <a:r>
+              <a:rPr lang="en-US" smtClean="0"/>
+              <a:t>to </a:t>
+            </a:r>
+            <a:r>
+              <a:rPr lang="en-US" smtClean="0"/>
+              <a:t>Cloud </a:t>
+            </a:r>
+            <a:r>
               <a:rPr lang="en-US" dirty="0" smtClean="0"/>
-              <a:t>to AWS</a:t>
+              <a:t>(AWS)</a:t>
             </a:r>
             <a:endParaRPr lang="en-US" dirty="0"/>
           </a:p>
